--- a/Node CleanArchitecture [Autosaved].pptx
+++ b/Node CleanArchitecture [Autosaved].pptx
@@ -244,7 +244,7 @@
           <a:p>
             <a:fld id="{48C6F2A1-5DF0-4BDB-AF29-66FA4362CCEF}" type="datetimeFigureOut">
               <a:rPr lang="en-US" smtClean="0"/>
-              <a:t>5/17/2020</a:t>
+              <a:t>5/23/2020</a:t>
             </a:fld>
             <a:endParaRPr lang="en-US"/>
           </a:p>
@@ -414,7 +414,7 @@
           <a:p>
             <a:fld id="{48C6F2A1-5DF0-4BDB-AF29-66FA4362CCEF}" type="datetimeFigureOut">
               <a:rPr lang="en-US" smtClean="0"/>
-              <a:t>5/17/2020</a:t>
+              <a:t>5/23/2020</a:t>
             </a:fld>
             <a:endParaRPr lang="en-US"/>
           </a:p>
@@ -594,7 +594,7 @@
           <a:p>
             <a:fld id="{48C6F2A1-5DF0-4BDB-AF29-66FA4362CCEF}" type="datetimeFigureOut">
               <a:rPr lang="en-US" smtClean="0"/>
-              <a:t>5/17/2020</a:t>
+              <a:t>5/23/2020</a:t>
             </a:fld>
             <a:endParaRPr lang="en-US"/>
           </a:p>
@@ -764,7 +764,7 @@
           <a:p>
             <a:fld id="{48C6F2A1-5DF0-4BDB-AF29-66FA4362CCEF}" type="datetimeFigureOut">
               <a:rPr lang="en-US" smtClean="0"/>
-              <a:t>5/17/2020</a:t>
+              <a:t>5/23/2020</a:t>
             </a:fld>
             <a:endParaRPr lang="en-US"/>
           </a:p>
@@ -1008,7 +1008,7 @@
           <a:p>
             <a:fld id="{48C6F2A1-5DF0-4BDB-AF29-66FA4362CCEF}" type="datetimeFigureOut">
               <a:rPr lang="en-US" smtClean="0"/>
-              <a:t>5/17/2020</a:t>
+              <a:t>5/23/2020</a:t>
             </a:fld>
             <a:endParaRPr lang="en-US"/>
           </a:p>
@@ -1240,7 +1240,7 @@
           <a:p>
             <a:fld id="{48C6F2A1-5DF0-4BDB-AF29-66FA4362CCEF}" type="datetimeFigureOut">
               <a:rPr lang="en-US" smtClean="0"/>
-              <a:t>5/17/2020</a:t>
+              <a:t>5/23/2020</a:t>
             </a:fld>
             <a:endParaRPr lang="en-US"/>
           </a:p>
@@ -1607,7 +1607,7 @@
           <a:p>
             <a:fld id="{48C6F2A1-5DF0-4BDB-AF29-66FA4362CCEF}" type="datetimeFigureOut">
               <a:rPr lang="en-US" smtClean="0"/>
-              <a:t>5/17/2020</a:t>
+              <a:t>5/23/2020</a:t>
             </a:fld>
             <a:endParaRPr lang="en-US"/>
           </a:p>
@@ -1725,7 +1725,7 @@
           <a:p>
             <a:fld id="{48C6F2A1-5DF0-4BDB-AF29-66FA4362CCEF}" type="datetimeFigureOut">
               <a:rPr lang="en-US" smtClean="0"/>
-              <a:t>5/17/2020</a:t>
+              <a:t>5/23/2020</a:t>
             </a:fld>
             <a:endParaRPr lang="en-US"/>
           </a:p>
@@ -1820,7 +1820,7 @@
           <a:p>
             <a:fld id="{48C6F2A1-5DF0-4BDB-AF29-66FA4362CCEF}" type="datetimeFigureOut">
               <a:rPr lang="en-US" smtClean="0"/>
-              <a:t>5/17/2020</a:t>
+              <a:t>5/23/2020</a:t>
             </a:fld>
             <a:endParaRPr lang="en-US"/>
           </a:p>
@@ -2097,7 +2097,7 @@
           <a:p>
             <a:fld id="{48C6F2A1-5DF0-4BDB-AF29-66FA4362CCEF}" type="datetimeFigureOut">
               <a:rPr lang="en-US" smtClean="0"/>
-              <a:t>5/17/2020</a:t>
+              <a:t>5/23/2020</a:t>
             </a:fld>
             <a:endParaRPr lang="en-US"/>
           </a:p>
@@ -2354,7 +2354,7 @@
           <a:p>
             <a:fld id="{48C6F2A1-5DF0-4BDB-AF29-66FA4362CCEF}" type="datetimeFigureOut">
               <a:rPr lang="en-US" smtClean="0"/>
-              <a:t>5/17/2020</a:t>
+              <a:t>5/23/2020</a:t>
             </a:fld>
             <a:endParaRPr lang="en-US"/>
           </a:p>
@@ -2567,7 +2567,7 @@
           <a:p>
             <a:fld id="{48C6F2A1-5DF0-4BDB-AF29-66FA4362CCEF}" type="datetimeFigureOut">
               <a:rPr lang="en-US" smtClean="0"/>
-              <a:t>5/17/2020</a:t>
+              <a:t>5/23/2020</a:t>
             </a:fld>
             <a:endParaRPr lang="en-US"/>
           </a:p>
@@ -3631,8 +3631,8 @@
         </p:nvSpPr>
         <p:spPr>
           <a:xfrm>
-            <a:off x="11748431" y="17868384"/>
-            <a:ext cx="3663054" cy="1107996"/>
+            <a:off x="12253408" y="17868383"/>
+            <a:ext cx="2653099" cy="1107996"/>
           </a:xfrm>
           <a:prstGeom prst="rect">
             <a:avLst/>
@@ -3648,8 +3648,8 @@
           <a:lstStyle/>
           <a:p>
             <a:r>
-              <a:rPr lang="en-US" sz="6600" dirty="0" smtClean="0"/>
-              <a:t>Interactor</a:t>
+              <a:rPr lang="en-US" sz="6600" smtClean="0"/>
+              <a:t>Service</a:t>
             </a:r>
             <a:endParaRPr lang="en-US" sz="6600" dirty="0"/>
           </a:p>
